--- a/강의자료/3.PythonLibrary(matplotlib).pptx
+++ b/강의자료/3.PythonLibrary(matplotlib).pptx
@@ -208,7 +208,7 @@
           <a:p>
             <a:fld id="{FB0660E2-E869-4FAC-9D02-85EC56E98D19}" type="datetimeFigureOut">
               <a:rPr lang="ko-KR" altLang="en-US" smtClean="0"/>
-              <a:t>2021-03-02</a:t>
+              <a:t>2021-03-06</a:t>
             </a:fld>
             <a:endParaRPr lang="ko-KR" altLang="en-US"/>
           </a:p>
@@ -1950,7 +1950,7 @@
           <a:p>
             <a:fld id="{572B6814-541E-4333-8D27-333A44922E75}" type="datetime1">
               <a:rPr lang="ko-KR" altLang="en-US" smtClean="0"/>
-              <a:t>2021-03-02</a:t>
+              <a:t>2021-03-06</a:t>
             </a:fld>
             <a:endParaRPr lang="ko-KR" altLang="en-US"/>
           </a:p>
@@ -2144,7 +2144,7 @@
           <a:p>
             <a:fld id="{1E2AF72C-250F-49EE-9051-206F453A77C6}" type="datetime1">
               <a:rPr lang="ko-KR" altLang="en-US" smtClean="0"/>
-              <a:t>2021-03-02</a:t>
+              <a:t>2021-03-06</a:t>
             </a:fld>
             <a:endParaRPr lang="ko-KR" altLang="en-US"/>
           </a:p>
@@ -2322,7 +2322,7 @@
           <a:p>
             <a:fld id="{A10688CE-AFD3-4325-837C-DD3EAFF8EAF4}" type="datetime1">
               <a:rPr lang="ko-KR" altLang="en-US" smtClean="0"/>
-              <a:t>2021-03-02</a:t>
+              <a:t>2021-03-06</a:t>
             </a:fld>
             <a:endParaRPr lang="ko-KR" altLang="en-US"/>
           </a:p>
@@ -2490,7 +2490,7 @@
           <a:p>
             <a:fld id="{F8719E66-1D0C-4B85-9B21-FAFF67531727}" type="datetime1">
               <a:rPr lang="ko-KR" altLang="en-US" smtClean="0"/>
-              <a:t>2021-03-02</a:t>
+              <a:t>2021-03-06</a:t>
             </a:fld>
             <a:endParaRPr lang="ko-KR" altLang="en-US"/>
           </a:p>
@@ -2735,7 +2735,7 @@
           <a:p>
             <a:fld id="{2D89328C-A493-485A-9B01-6FC08038834E}" type="datetime1">
               <a:rPr lang="ko-KR" altLang="en-US" smtClean="0"/>
-              <a:t>2021-03-02</a:t>
+              <a:t>2021-03-06</a:t>
             </a:fld>
             <a:endParaRPr lang="ko-KR" altLang="en-US"/>
           </a:p>
@@ -2964,7 +2964,7 @@
           <a:p>
             <a:fld id="{6BC51601-942C-49B4-BBD8-2A11C5CF9FCE}" type="datetime1">
               <a:rPr lang="ko-KR" altLang="en-US" smtClean="0"/>
-              <a:t>2021-03-02</a:t>
+              <a:t>2021-03-06</a:t>
             </a:fld>
             <a:endParaRPr lang="ko-KR" altLang="en-US"/>
           </a:p>
@@ -3328,7 +3328,7 @@
           <a:p>
             <a:fld id="{FBD287DB-B88C-4F93-BC90-278B76B6EE44}" type="datetime1">
               <a:rPr lang="ko-KR" altLang="en-US" smtClean="0"/>
-              <a:t>2021-03-02</a:t>
+              <a:t>2021-03-06</a:t>
             </a:fld>
             <a:endParaRPr lang="ko-KR" altLang="en-US"/>
           </a:p>
@@ -3445,7 +3445,7 @@
           <a:p>
             <a:fld id="{B12AA5B2-D179-4127-8F21-5E3D2AF9BAD0}" type="datetime1">
               <a:rPr lang="ko-KR" altLang="en-US" smtClean="0"/>
-              <a:t>2021-03-02</a:t>
+              <a:t>2021-03-06</a:t>
             </a:fld>
             <a:endParaRPr lang="ko-KR" altLang="en-US"/>
           </a:p>
@@ -3540,7 +3540,7 @@
           <a:p>
             <a:fld id="{F5B0498D-35D9-4DEB-897C-FE1E1BE8B799}" type="datetime1">
               <a:rPr lang="ko-KR" altLang="en-US" smtClean="0"/>
-              <a:t>2021-03-02</a:t>
+              <a:t>2021-03-06</a:t>
             </a:fld>
             <a:endParaRPr lang="ko-KR" altLang="en-US"/>
           </a:p>
@@ -3815,7 +3815,7 @@
           <a:p>
             <a:fld id="{368BD6A7-9C34-45C3-810A-76C27A88C7AA}" type="datetime1">
               <a:rPr lang="ko-KR" altLang="en-US" smtClean="0"/>
-              <a:t>2021-03-02</a:t>
+              <a:t>2021-03-06</a:t>
             </a:fld>
             <a:endParaRPr lang="ko-KR" altLang="en-US"/>
           </a:p>
@@ -4067,7 +4067,7 @@
           <a:p>
             <a:fld id="{489F52E8-1F6C-4C55-9EDB-2391665479E5}" type="datetime1">
               <a:rPr lang="ko-KR" altLang="en-US" smtClean="0"/>
-              <a:t>2021-03-02</a:t>
+              <a:t>2021-03-06</a:t>
             </a:fld>
             <a:endParaRPr lang="ko-KR" altLang="en-US"/>
           </a:p>
@@ -4284,7 +4284,7 @@
             <a:fld id="{262D3B09-B348-4938-95B7-1005046A4F58}" type="datetime1">
               <a:rPr lang="ko-KR" altLang="en-US" smtClean="0"/>
               <a:pPr/>
-              <a:t>2021-03-02</a:t>
+              <a:t>2021-03-06</a:t>
             </a:fld>
             <a:endParaRPr lang="ko-KR" altLang="en-US"/>
           </a:p>
@@ -4771,104 +4771,6 @@
       </p:sp>
       <p:sp>
         <p:nvSpPr>
-          <p:cNvPr id="3" name="부제목 2"/>
-          <p:cNvSpPr>
-            <a:spLocks noGrp="1"/>
-          </p:cNvSpPr>
-          <p:nvPr>
-            <p:ph type="subTitle" idx="1"/>
-          </p:nvPr>
-        </p:nvSpPr>
-        <p:spPr>
-          <a:xfrm>
-            <a:off x="3935391" y="3602038"/>
-            <a:ext cx="2152257" cy="1655762"/>
-          </a:xfrm>
-        </p:spPr>
-        <p:txBody>
-          <a:bodyPr>
-            <a:normAutofit fontScale="85000" lnSpcReduction="20000"/>
-          </a:bodyPr>
-          <a:lstStyle/>
-          <a:p>
-            <a:pPr marL="457200" indent="-457200" algn="l">
-              <a:buFont typeface="+mj-lt"/>
-              <a:buAutoNum type="arabicPeriod"/>
-            </a:pPr>
-            <a:r>
-              <a:rPr lang="ko-KR" altLang="en-US" dirty="0"/>
-              <a:t>간단한</a:t>
-            </a:r>
-            <a:r>
-              <a:rPr lang="en-US" altLang="ko-KR" dirty="0"/>
-              <a:t> </a:t>
-            </a:r>
-            <a:r>
-              <a:rPr lang="ko-KR" altLang="en-US" dirty="0"/>
-              <a:t>그래프 </a:t>
-            </a:r>
-            <a:endParaRPr lang="en-US" altLang="ko-KR" dirty="0"/>
-          </a:p>
-          <a:p>
-            <a:pPr marL="457200" indent="-457200" algn="l">
-              <a:buFont typeface="+mj-lt"/>
-              <a:buAutoNum type="arabicPeriod"/>
-            </a:pPr>
-            <a:r>
-              <a:rPr lang="ko-KR" altLang="en-US" dirty="0"/>
-              <a:t>막대 그래프 </a:t>
-            </a:r>
-            <a:endParaRPr lang="en-US" altLang="ko-KR" dirty="0"/>
-          </a:p>
-          <a:p>
-            <a:pPr marL="457200" indent="-457200" algn="l">
-              <a:buFont typeface="+mj-lt"/>
-              <a:buAutoNum type="arabicPeriod"/>
-            </a:pPr>
-            <a:r>
-              <a:rPr lang="ko-KR" altLang="en-US" dirty="0"/>
-              <a:t>히스토그램 </a:t>
-            </a:r>
-            <a:endParaRPr lang="en-US" altLang="ko-KR" dirty="0"/>
-          </a:p>
-          <a:p>
-            <a:pPr marL="457200" indent="-457200" algn="l">
-              <a:buFont typeface="+mj-lt"/>
-              <a:buAutoNum type="arabicPeriod"/>
-            </a:pPr>
-            <a:r>
-              <a:rPr lang="ko-KR" altLang="en-US" dirty="0"/>
-              <a:t>선 그래프</a:t>
-            </a:r>
-            <a:endParaRPr lang="en-US" altLang="ko-KR" dirty="0"/>
-          </a:p>
-          <a:p>
-            <a:pPr marL="457200" indent="-457200" algn="l">
-              <a:buFont typeface="+mj-lt"/>
-              <a:buAutoNum type="arabicPeriod"/>
-            </a:pPr>
-            <a:r>
-              <a:rPr lang="ko-KR" altLang="en-US" dirty="0" err="1"/>
-              <a:t>산점도</a:t>
-            </a:r>
-            <a:endParaRPr lang="en-US" altLang="ko-KR" dirty="0"/>
-          </a:p>
-          <a:p>
-            <a:pPr algn="r"/>
-            <a:endParaRPr lang="en-US" altLang="ko-KR" dirty="0"/>
-          </a:p>
-          <a:p>
-            <a:pPr algn="r"/>
-            <a:endParaRPr lang="en-US" altLang="ko-KR" dirty="0"/>
-          </a:p>
-          <a:p>
-            <a:pPr algn="r"/>
-            <a:endParaRPr lang="en-US" altLang="ko-KR" dirty="0"/>
-          </a:p>
-        </p:txBody>
-      </p:sp>
-      <p:sp>
-        <p:nvSpPr>
           <p:cNvPr id="4" name="슬라이드 번호 개체 틀 3"/>
           <p:cNvSpPr>
             <a:spLocks noGrp="1"/>
@@ -4906,7 +4808,7 @@
         </p:nvSpPr>
         <p:spPr>
           <a:xfrm>
-            <a:off x="6571293" y="3602038"/>
+            <a:off x="4582157" y="4986338"/>
             <a:ext cx="3283907" cy="1655762"/>
           </a:xfrm>
           <a:prstGeom prst="rect">
@@ -4915,7 +4817,7 @@
         </p:spPr>
         <p:txBody>
           <a:bodyPr vert="horz" lIns="91440" tIns="45720" rIns="91440" bIns="45720" rtlCol="0">
-            <a:normAutofit fontScale="85000" lnSpcReduction="20000"/>
+            <a:normAutofit/>
           </a:bodyPr>
           <a:lstStyle>
             <a:lvl1pPr marL="0" indent="0" algn="ctr" defTabSz="914400" rtl="0" eaLnBrk="1" latinLnBrk="1" hangingPunct="1">
@@ -5096,91 +4998,6 @@
               </a:defRPr>
             </a:lvl9pPr>
           </a:lstStyle>
-          <a:p>
-            <a:pPr algn="l"/>
-            <a:r>
-              <a:rPr lang="en-US" altLang="ko-KR" dirty="0">
-                <a:solidFill>
-                  <a:schemeClr val="accent6">
-                    <a:lumMod val="50000"/>
-                  </a:schemeClr>
-                </a:solidFill>
-              </a:rPr>
-              <a:t>Simple Graph</a:t>
-            </a:r>
-          </a:p>
-          <a:p>
-            <a:pPr algn="l"/>
-            <a:r>
-              <a:rPr lang="en-US" altLang="ko-KR" dirty="0">
-                <a:solidFill>
-                  <a:schemeClr val="accent6">
-                    <a:lumMod val="50000"/>
-                  </a:schemeClr>
-                </a:solidFill>
-              </a:rPr>
-              <a:t>Bar</a:t>
-            </a:r>
-            <a:r>
-              <a:rPr lang="ko-KR" altLang="en-US" dirty="0">
-                <a:solidFill>
-                  <a:schemeClr val="accent6">
-                    <a:lumMod val="50000"/>
-                  </a:schemeClr>
-                </a:solidFill>
-              </a:rPr>
-              <a:t> </a:t>
-            </a:r>
-            <a:r>
-              <a:rPr lang="en-US" altLang="ko-KR" dirty="0">
-                <a:solidFill>
-                  <a:schemeClr val="accent6">
-                    <a:lumMod val="50000"/>
-                  </a:schemeClr>
-                </a:solidFill>
-              </a:rPr>
-              <a:t>Chart</a:t>
-            </a:r>
-          </a:p>
-          <a:p>
-            <a:pPr algn="l"/>
-            <a:r>
-              <a:rPr lang="en-US" altLang="ko-KR" dirty="0">
-                <a:solidFill>
-                  <a:schemeClr val="accent6">
-                    <a:lumMod val="50000"/>
-                  </a:schemeClr>
-                </a:solidFill>
-              </a:rPr>
-              <a:t>Histogram</a:t>
-            </a:r>
-          </a:p>
-          <a:p>
-            <a:pPr algn="l"/>
-            <a:r>
-              <a:rPr lang="en-US" altLang="ko-KR" dirty="0">
-                <a:solidFill>
-                  <a:schemeClr val="accent6">
-                    <a:lumMod val="50000"/>
-                  </a:schemeClr>
-                </a:solidFill>
-              </a:rPr>
-              <a:t>Line Chart</a:t>
-            </a:r>
-          </a:p>
-          <a:p>
-            <a:pPr algn="l"/>
-            <a:r>
-              <a:rPr lang="en-US" altLang="ko-KR" dirty="0">
-                <a:solidFill>
-                  <a:schemeClr val="accent6">
-                    <a:lumMod val="50000"/>
-                  </a:schemeClr>
-                </a:solidFill>
-              </a:rPr>
-              <a:t>Scatterplot</a:t>
-            </a:r>
-          </a:p>
           <a:p>
             <a:pPr algn="l"/>
             <a:endParaRPr lang="en-US" altLang="ko-KR" dirty="0">
@@ -5256,6 +5073,711 @@
           </a:prstGeom>
         </p:spPr>
       </p:pic>
+      <p:sp>
+        <p:nvSpPr>
+          <p:cNvPr id="7" name="부제목 2">
+            <a:extLst>
+              <a:ext uri="{FF2B5EF4-FFF2-40B4-BE49-F238E27FC236}">
+                <a16:creationId xmlns:a16="http://schemas.microsoft.com/office/drawing/2014/main" id="{393A71DF-FC2A-4AF8-B9CB-FFB16DD3E794}"/>
+              </a:ext>
+            </a:extLst>
+          </p:cNvPr>
+          <p:cNvSpPr txBox="1">
+            <a:spLocks/>
+          </p:cNvSpPr>
+          <p:nvPr/>
+        </p:nvSpPr>
+        <p:spPr>
+          <a:xfrm>
+            <a:off x="1685365" y="2868159"/>
+            <a:ext cx="9144000" cy="3853316"/>
+          </a:xfrm>
+          <a:prstGeom prst="rect">
+            <a:avLst/>
+          </a:prstGeom>
+        </p:spPr>
+        <p:txBody>
+          <a:bodyPr vert="horz" lIns="91440" tIns="45720" rIns="91440" bIns="45720" rtlCol="0">
+            <a:noAutofit/>
+          </a:bodyPr>
+          <a:lstStyle>
+            <a:lvl1pPr marL="0" indent="0" algn="ctr" defTabSz="914400" rtl="0" eaLnBrk="1" latinLnBrk="1" hangingPunct="1">
+              <a:lnSpc>
+                <a:spcPct val="100000"/>
+              </a:lnSpc>
+              <a:spcBef>
+                <a:spcPts val="600"/>
+              </a:spcBef>
+              <a:buClr>
+                <a:srgbClr val="C00000"/>
+              </a:buClr>
+              <a:buFont typeface="+mj-lt"/>
+              <a:buNone/>
+              <a:defRPr sz="2400" kern="1200">
+                <a:solidFill>
+                  <a:schemeClr val="tx1"/>
+                </a:solidFill>
+                <a:latin typeface="a펜고딕L" panose="02020600000000000000" pitchFamily="18" charset="-127"/>
+                <a:ea typeface="a펜고딕L" panose="02020600000000000000" pitchFamily="18" charset="-127"/>
+                <a:cs typeface="+mn-cs"/>
+              </a:defRPr>
+            </a:lvl1pPr>
+            <a:lvl2pPr marL="457200" indent="0" algn="ctr" defTabSz="914400" rtl="0" eaLnBrk="1" latinLnBrk="1" hangingPunct="1">
+              <a:lnSpc>
+                <a:spcPct val="100000"/>
+              </a:lnSpc>
+              <a:spcBef>
+                <a:spcPts val="600"/>
+              </a:spcBef>
+              <a:buClr>
+                <a:srgbClr val="00B050"/>
+              </a:buClr>
+              <a:buFont typeface="Arial" panose="020B0604020202020204" pitchFamily="34" charset="0"/>
+              <a:buNone/>
+              <a:defRPr sz="2000" kern="1200">
+                <a:solidFill>
+                  <a:schemeClr val="tx1"/>
+                </a:solidFill>
+                <a:latin typeface="a펜고딕L" panose="02020600000000000000" pitchFamily="18" charset="-127"/>
+                <a:ea typeface="a펜고딕L" panose="02020600000000000000" pitchFamily="18" charset="-127"/>
+                <a:cs typeface="+mn-cs"/>
+              </a:defRPr>
+            </a:lvl2pPr>
+            <a:lvl3pPr marL="914400" indent="0" algn="ctr" defTabSz="914400" rtl="0" eaLnBrk="1" latinLnBrk="1" hangingPunct="1">
+              <a:lnSpc>
+                <a:spcPct val="100000"/>
+              </a:lnSpc>
+              <a:spcBef>
+                <a:spcPts val="600"/>
+              </a:spcBef>
+              <a:buClr>
+                <a:srgbClr val="00B0F0"/>
+              </a:buClr>
+              <a:buFont typeface="Arial" panose="020B0604020202020204" pitchFamily="34" charset="0"/>
+              <a:buNone/>
+              <a:defRPr sz="1800" kern="1200">
+                <a:solidFill>
+                  <a:schemeClr val="tx1"/>
+                </a:solidFill>
+                <a:latin typeface="a펜고딕L" panose="02020600000000000000" pitchFamily="18" charset="-127"/>
+                <a:ea typeface="a펜고딕L" panose="02020600000000000000" pitchFamily="18" charset="-127"/>
+                <a:cs typeface="+mn-cs"/>
+              </a:defRPr>
+            </a:lvl3pPr>
+            <a:lvl4pPr marL="1371600" indent="0" algn="ctr" defTabSz="914400" rtl="0" eaLnBrk="1" latinLnBrk="1" hangingPunct="1">
+              <a:lnSpc>
+                <a:spcPct val="100000"/>
+              </a:lnSpc>
+              <a:spcBef>
+                <a:spcPts val="600"/>
+              </a:spcBef>
+              <a:buClr>
+                <a:srgbClr val="7030A0"/>
+              </a:buClr>
+              <a:buFont typeface="Arial" panose="020B0604020202020204" pitchFamily="34" charset="0"/>
+              <a:buNone/>
+              <a:defRPr sz="1600" kern="1200">
+                <a:solidFill>
+                  <a:schemeClr val="tx1"/>
+                </a:solidFill>
+                <a:latin typeface="a펜고딕L" panose="02020600000000000000" pitchFamily="18" charset="-127"/>
+                <a:ea typeface="a펜고딕L" panose="02020600000000000000" pitchFamily="18" charset="-127"/>
+                <a:cs typeface="+mn-cs"/>
+              </a:defRPr>
+            </a:lvl4pPr>
+            <a:lvl5pPr marL="1828800" indent="0" algn="ctr" defTabSz="914400" rtl="0" eaLnBrk="1" latinLnBrk="1" hangingPunct="1">
+              <a:lnSpc>
+                <a:spcPct val="100000"/>
+              </a:lnSpc>
+              <a:spcBef>
+                <a:spcPts val="600"/>
+              </a:spcBef>
+              <a:buClr>
+                <a:srgbClr val="FFFF00"/>
+              </a:buClr>
+              <a:buFont typeface="Arial" panose="020B0604020202020204" pitchFamily="34" charset="0"/>
+              <a:buNone/>
+              <a:defRPr sz="1600" kern="1200">
+                <a:solidFill>
+                  <a:schemeClr val="tx1"/>
+                </a:solidFill>
+                <a:latin typeface="a펜고딕L" panose="02020600000000000000" pitchFamily="18" charset="-127"/>
+                <a:ea typeface="a펜고딕L" panose="02020600000000000000" pitchFamily="18" charset="-127"/>
+                <a:cs typeface="+mn-cs"/>
+              </a:defRPr>
+            </a:lvl5pPr>
+            <a:lvl6pPr marL="2286000" indent="0" algn="ctr" defTabSz="914400" rtl="0" eaLnBrk="1" latinLnBrk="1" hangingPunct="1">
+              <a:lnSpc>
+                <a:spcPct val="90000"/>
+              </a:lnSpc>
+              <a:spcBef>
+                <a:spcPts val="500"/>
+              </a:spcBef>
+              <a:buFont typeface="Arial" panose="020B0604020202020204" pitchFamily="34" charset="0"/>
+              <a:buNone/>
+              <a:defRPr sz="1600" kern="1200">
+                <a:solidFill>
+                  <a:schemeClr val="tx1"/>
+                </a:solidFill>
+                <a:latin typeface="+mn-lt"/>
+                <a:ea typeface="+mn-ea"/>
+                <a:cs typeface="+mn-cs"/>
+              </a:defRPr>
+            </a:lvl6pPr>
+            <a:lvl7pPr marL="2743200" indent="0" algn="ctr" defTabSz="914400" rtl="0" eaLnBrk="1" latinLnBrk="1" hangingPunct="1">
+              <a:lnSpc>
+                <a:spcPct val="90000"/>
+              </a:lnSpc>
+              <a:spcBef>
+                <a:spcPts val="500"/>
+              </a:spcBef>
+              <a:buFont typeface="Arial" panose="020B0604020202020204" pitchFamily="34" charset="0"/>
+              <a:buNone/>
+              <a:defRPr sz="1600" kern="1200">
+                <a:solidFill>
+                  <a:schemeClr val="tx1"/>
+                </a:solidFill>
+                <a:latin typeface="+mn-lt"/>
+                <a:ea typeface="+mn-ea"/>
+                <a:cs typeface="+mn-cs"/>
+              </a:defRPr>
+            </a:lvl7pPr>
+            <a:lvl8pPr marL="3200400" indent="0" algn="ctr" defTabSz="914400" rtl="0" eaLnBrk="1" latinLnBrk="1" hangingPunct="1">
+              <a:lnSpc>
+                <a:spcPct val="90000"/>
+              </a:lnSpc>
+              <a:spcBef>
+                <a:spcPts val="500"/>
+              </a:spcBef>
+              <a:buFont typeface="Arial" panose="020B0604020202020204" pitchFamily="34" charset="0"/>
+              <a:buNone/>
+              <a:defRPr sz="1600" kern="1200">
+                <a:solidFill>
+                  <a:schemeClr val="tx1"/>
+                </a:solidFill>
+                <a:latin typeface="+mn-lt"/>
+                <a:ea typeface="+mn-ea"/>
+                <a:cs typeface="+mn-cs"/>
+              </a:defRPr>
+            </a:lvl8pPr>
+            <a:lvl9pPr marL="3657600" indent="0" algn="ctr" defTabSz="914400" rtl="0" eaLnBrk="1" latinLnBrk="1" hangingPunct="1">
+              <a:lnSpc>
+                <a:spcPct val="90000"/>
+              </a:lnSpc>
+              <a:spcBef>
+                <a:spcPts val="500"/>
+              </a:spcBef>
+              <a:buFont typeface="Arial" panose="020B0604020202020204" pitchFamily="34" charset="0"/>
+              <a:buNone/>
+              <a:defRPr sz="1600" kern="1200">
+                <a:solidFill>
+                  <a:schemeClr val="tx1"/>
+                </a:solidFill>
+                <a:latin typeface="+mn-lt"/>
+                <a:ea typeface="+mn-ea"/>
+                <a:cs typeface="+mn-cs"/>
+              </a:defRPr>
+            </a:lvl9pPr>
+          </a:lstStyle>
+          <a:p>
+            <a:pPr marL="457200" indent="-457200" algn="l">
+              <a:buFont typeface="+mj-lt"/>
+              <a:buAutoNum type="arabicPeriod"/>
+            </a:pPr>
+            <a:endParaRPr lang="en-US" altLang="ko-KR" sz="2000" b="1" dirty="0"/>
+          </a:p>
+          <a:p>
+            <a:pPr algn="r"/>
+            <a:endParaRPr lang="en-US" altLang="ko-KR" sz="2000" dirty="0"/>
+          </a:p>
+          <a:p>
+            <a:pPr algn="r"/>
+            <a:endParaRPr lang="en-US" altLang="ko-KR" sz="2000" dirty="0"/>
+          </a:p>
+          <a:p>
+            <a:pPr algn="r"/>
+            <a:endParaRPr lang="en-US" altLang="ko-KR" sz="2000" dirty="0"/>
+          </a:p>
+          <a:p>
+            <a:pPr lvl="1" algn="l"/>
+            <a:endParaRPr lang="en-US" altLang="ko-KR" sz="1800" dirty="0"/>
+          </a:p>
+        </p:txBody>
+      </p:sp>
+      <p:sp>
+        <p:nvSpPr>
+          <p:cNvPr id="8" name="부제목 7">
+            <a:extLst>
+              <a:ext uri="{FF2B5EF4-FFF2-40B4-BE49-F238E27FC236}">
+                <a16:creationId xmlns:a16="http://schemas.microsoft.com/office/drawing/2014/main" id="{BD6940EA-E341-491C-B5C6-82454AFAF4E0}"/>
+              </a:ext>
+            </a:extLst>
+          </p:cNvPr>
+          <p:cNvSpPr>
+            <a:spLocks noGrp="1"/>
+          </p:cNvSpPr>
+          <p:nvPr>
+            <p:ph type="subTitle" idx="1"/>
+          </p:nvPr>
+        </p:nvSpPr>
+        <p:spPr>
+          <a:xfrm>
+            <a:off x="1652110" y="2868159"/>
+            <a:ext cx="9144000" cy="2038804"/>
+          </a:xfrm>
+        </p:spPr>
+        <p:txBody>
+          <a:bodyPr>
+            <a:normAutofit/>
+          </a:bodyPr>
+          <a:lstStyle/>
+          <a:p>
+            <a:pPr marL="457200" indent="-457200" algn="l">
+              <a:buFont typeface="Wingdings" panose="05000000000000000000" pitchFamily="2" charset="2"/>
+              <a:buChar char="l"/>
+            </a:pPr>
+            <a:r>
+              <a:rPr lang="ko-KR" altLang="en-US" dirty="0" err="1">
+                <a:solidFill>
+                  <a:srgbClr val="FF0000"/>
+                </a:solidFill>
+              </a:rPr>
+              <a:t>파이썬</a:t>
+            </a:r>
+            <a:r>
+              <a:rPr lang="en-US" altLang="ko-KR" dirty="0">
+                <a:solidFill>
+                  <a:srgbClr val="FF0000"/>
+                </a:solidFill>
+              </a:rPr>
+              <a:t> </a:t>
+            </a:r>
+            <a:r>
+              <a:rPr lang="ko-KR" altLang="en-US" dirty="0">
+                <a:solidFill>
+                  <a:srgbClr val="FF0000"/>
+                </a:solidFill>
+              </a:rPr>
+              <a:t>필수 라이브러리</a:t>
+            </a:r>
+            <a:endParaRPr lang="en-US" altLang="ko-KR" dirty="0">
+              <a:solidFill>
+                <a:srgbClr val="FF0000"/>
+              </a:solidFill>
+            </a:endParaRPr>
+          </a:p>
+          <a:p>
+            <a:pPr lvl="1" algn="l"/>
+            <a:r>
+              <a:rPr lang="en-US" altLang="ko-KR" dirty="0" err="1"/>
+              <a:t>numpy</a:t>
+            </a:r>
+            <a:endParaRPr lang="en-US" altLang="ko-KR" dirty="0"/>
+          </a:p>
+          <a:p>
+            <a:pPr lvl="1" algn="l"/>
+            <a:r>
+              <a:rPr lang="en-US" altLang="ko-KR" dirty="0">
+                <a:solidFill>
+                  <a:srgbClr val="FF0000"/>
+                </a:solidFill>
+              </a:rPr>
+              <a:t>matplotlib</a:t>
+            </a:r>
+          </a:p>
+          <a:p>
+            <a:pPr lvl="1" algn="l"/>
+            <a:r>
+              <a:rPr lang="en-US" altLang="ko-KR" dirty="0"/>
+              <a:t>pandas</a:t>
+            </a:r>
+          </a:p>
+          <a:p>
+            <a:pPr lvl="1" algn="l"/>
+            <a:endParaRPr lang="en-US" altLang="ko-KR" dirty="0"/>
+          </a:p>
+          <a:p>
+            <a:endParaRPr lang="ko-KR" altLang="en-US" dirty="0"/>
+          </a:p>
+        </p:txBody>
+      </p:sp>
+      <p:sp>
+        <p:nvSpPr>
+          <p:cNvPr id="9" name="직사각형 8">
+            <a:extLst>
+              <a:ext uri="{FF2B5EF4-FFF2-40B4-BE49-F238E27FC236}">
+                <a16:creationId xmlns:a16="http://schemas.microsoft.com/office/drawing/2014/main" id="{CBDF9F21-3C33-4D18-8DAC-0C63254CECB0}"/>
+              </a:ext>
+            </a:extLst>
+          </p:cNvPr>
+          <p:cNvSpPr/>
+          <p:nvPr/>
+        </p:nvSpPr>
+        <p:spPr>
+          <a:xfrm>
+            <a:off x="2194739" y="4890624"/>
+            <a:ext cx="7683604" cy="1600438"/>
+          </a:xfrm>
+          <a:prstGeom prst="rect">
+            <a:avLst/>
+          </a:prstGeom>
+          <a:ln>
+            <a:solidFill>
+              <a:schemeClr val="accent6">
+                <a:lumMod val="50000"/>
+              </a:schemeClr>
+            </a:solidFill>
+          </a:ln>
+        </p:spPr>
+        <p:txBody>
+          <a:bodyPr wrap="square">
+            <a:spAutoFit/>
+          </a:bodyPr>
+          <a:lstStyle/>
+          <a:p>
+            <a:r>
+              <a:rPr lang="en-US" altLang="ko-KR" sz="1400" b="1" dirty="0">
+                <a:solidFill>
+                  <a:srgbClr val="FF0000"/>
+                </a:solidFill>
+                <a:latin typeface="a펜고딕L" panose="02020600000000000000" pitchFamily="18" charset="-127"/>
+                <a:ea typeface="a펜고딕L" panose="02020600000000000000" pitchFamily="18" charset="-127"/>
+              </a:rPr>
+              <a:t>(Tip)</a:t>
+            </a:r>
+          </a:p>
+          <a:p>
+            <a:endParaRPr lang="en-US" altLang="ko-KR" sz="1400" dirty="0">
+              <a:latin typeface="a펜고딕L" panose="02020600000000000000" pitchFamily="18" charset="-127"/>
+              <a:ea typeface="a펜고딕L" panose="02020600000000000000" pitchFamily="18" charset="-127"/>
+            </a:endParaRPr>
+          </a:p>
+          <a:p>
+            <a:pPr marL="266700" indent="-266700"/>
+            <a:r>
+              <a:rPr lang="en-US" altLang="ko-KR" sz="1400" dirty="0">
+                <a:solidFill>
+                  <a:srgbClr val="FF0000"/>
+                </a:solidFill>
+                <a:latin typeface="a펜고딕L" panose="02020600000000000000" pitchFamily="18" charset="-127"/>
+                <a:ea typeface="a펜고딕L" panose="02020600000000000000" pitchFamily="18" charset="-127"/>
+              </a:rPr>
+              <a:t>Q</a:t>
+            </a:r>
+            <a:r>
+              <a:rPr lang="en-US" altLang="ko-KR" sz="1400" dirty="0">
+                <a:latin typeface="a펜고딕L" panose="02020600000000000000" pitchFamily="18" charset="-127"/>
+                <a:ea typeface="a펜고딕L" panose="02020600000000000000" pitchFamily="18" charset="-127"/>
+              </a:rPr>
+              <a:t>: </a:t>
+            </a:r>
+            <a:r>
+              <a:rPr lang="en-US" altLang="ko-KR" sz="1400" dirty="0" err="1">
+                <a:latin typeface="a펜고딕L" panose="02020600000000000000" pitchFamily="18" charset="-127"/>
+                <a:ea typeface="a펜고딕L" panose="02020600000000000000" pitchFamily="18" charset="-127"/>
+              </a:rPr>
+              <a:t>Jupyter</a:t>
+            </a:r>
+            <a:r>
+              <a:rPr lang="en-US" altLang="ko-KR" sz="1400" dirty="0">
+                <a:latin typeface="a펜고딕L" panose="02020600000000000000" pitchFamily="18" charset="-127"/>
+                <a:ea typeface="a펜고딕L" panose="02020600000000000000" pitchFamily="18" charset="-127"/>
+              </a:rPr>
+              <a:t> Notebook </a:t>
+            </a:r>
+            <a:r>
+              <a:rPr lang="ko-KR" altLang="en-US" sz="1400" dirty="0">
+                <a:latin typeface="a펜고딕L" panose="02020600000000000000" pitchFamily="18" charset="-127"/>
+                <a:ea typeface="a펜고딕L" panose="02020600000000000000" pitchFamily="18" charset="-127"/>
+              </a:rPr>
+              <a:t>셀에서 마지막 값 하나만이 아니라 중간에 모든 값을 차례로 출력하는 방법은</a:t>
+            </a:r>
+            <a:r>
+              <a:rPr lang="en-US" altLang="ko-KR" sz="1400" dirty="0">
+                <a:latin typeface="a펜고딕L" panose="02020600000000000000" pitchFamily="18" charset="-127"/>
+                <a:ea typeface="a펜고딕L" panose="02020600000000000000" pitchFamily="18" charset="-127"/>
+              </a:rPr>
+              <a:t>?</a:t>
+            </a:r>
+          </a:p>
+          <a:p>
+            <a:pPr marL="266700" indent="-266700"/>
+            <a:r>
+              <a:rPr lang="en-US" altLang="ko-KR" sz="1400" dirty="0">
+                <a:solidFill>
+                  <a:srgbClr val="FF0000"/>
+                </a:solidFill>
+                <a:latin typeface="a펜고딕L" panose="02020600000000000000" pitchFamily="18" charset="-127"/>
+                <a:ea typeface="a펜고딕L" panose="02020600000000000000" pitchFamily="18" charset="-127"/>
+              </a:rPr>
+              <a:t>A</a:t>
+            </a:r>
+            <a:r>
+              <a:rPr lang="en-US" altLang="ko-KR" sz="1400" dirty="0">
+                <a:latin typeface="a펜고딕L" panose="02020600000000000000" pitchFamily="18" charset="-127"/>
+                <a:ea typeface="a펜고딕L" panose="02020600000000000000" pitchFamily="18" charset="-127"/>
+              </a:rPr>
+              <a:t>: print(), </a:t>
+            </a:r>
+            <a:r>
+              <a:rPr lang="en-US" altLang="ko-KR" sz="1400" dirty="0" err="1">
+                <a:latin typeface="a펜고딕L" panose="02020600000000000000" pitchFamily="18" charset="-127"/>
+                <a:ea typeface="a펜고딕L" panose="02020600000000000000" pitchFamily="18" charset="-127"/>
+              </a:rPr>
+              <a:t>IPython.display</a:t>
+            </a:r>
+            <a:r>
+              <a:rPr lang="ko-KR" altLang="en-US" sz="1400" dirty="0">
+                <a:latin typeface="a펜고딕L" panose="02020600000000000000" pitchFamily="18" charset="-127"/>
+                <a:ea typeface="a펜고딕L" panose="02020600000000000000" pitchFamily="18" charset="-127"/>
+              </a:rPr>
+              <a:t>를 써서 매번 출력하거나 </a:t>
+            </a:r>
+            <a:r>
+              <a:rPr lang="en-US" altLang="ko-KR" sz="1400" dirty="0" err="1">
+                <a:latin typeface="a펜고딕L" panose="02020600000000000000" pitchFamily="18" charset="-127"/>
+                <a:ea typeface="a펜고딕L" panose="02020600000000000000" pitchFamily="18" charset="-127"/>
+              </a:rPr>
+              <a:t>InteractiveShell</a:t>
+            </a:r>
+            <a:r>
+              <a:rPr lang="ko-KR" altLang="en-US" sz="1400" dirty="0">
+                <a:latin typeface="a펜고딕L" panose="02020600000000000000" pitchFamily="18" charset="-127"/>
+                <a:ea typeface="a펜고딕L" panose="02020600000000000000" pitchFamily="18" charset="-127"/>
+              </a:rPr>
+              <a:t>의 옵션을 지정합니다</a:t>
+            </a:r>
+            <a:endParaRPr lang="en-US" altLang="ko-KR" sz="1400" dirty="0">
+              <a:latin typeface="a펜고딕L" panose="02020600000000000000" pitchFamily="18" charset="-127"/>
+              <a:ea typeface="a펜고딕L" panose="02020600000000000000" pitchFamily="18" charset="-127"/>
+            </a:endParaRPr>
+          </a:p>
+          <a:p>
+            <a:endParaRPr lang="en-US" altLang="ko-KR" sz="1400" dirty="0">
+              <a:latin typeface="a펜고딕L" panose="02020600000000000000" pitchFamily="18" charset="-127"/>
+              <a:ea typeface="a펜고딕L" panose="02020600000000000000" pitchFamily="18" charset="-127"/>
+            </a:endParaRPr>
+          </a:p>
+          <a:p>
+            <a:r>
+              <a:rPr lang="en-US" altLang="ko-KR" sz="1400" dirty="0">
+                <a:latin typeface="a펜고딕L" panose="02020600000000000000" pitchFamily="18" charset="-127"/>
+                <a:ea typeface="a펜고딕L" panose="02020600000000000000" pitchFamily="18" charset="-127"/>
+              </a:rPr>
+              <a:t>from </a:t>
+            </a:r>
+            <a:r>
+              <a:rPr lang="en-US" altLang="ko-KR" sz="1400" dirty="0" err="1">
+                <a:latin typeface="a펜고딕L" panose="02020600000000000000" pitchFamily="18" charset="-127"/>
+                <a:ea typeface="a펜고딕L" panose="02020600000000000000" pitchFamily="18" charset="-127"/>
+              </a:rPr>
+              <a:t>IPython.core.interactiveshell</a:t>
+            </a:r>
+            <a:r>
+              <a:rPr lang="en-US" altLang="ko-KR" sz="1400" dirty="0">
+                <a:latin typeface="a펜고딕L" panose="02020600000000000000" pitchFamily="18" charset="-127"/>
+                <a:ea typeface="a펜고딕L" panose="02020600000000000000" pitchFamily="18" charset="-127"/>
+              </a:rPr>
+              <a:t> import </a:t>
+            </a:r>
+            <a:r>
+              <a:rPr lang="en-US" altLang="ko-KR" sz="1400" dirty="0" err="1">
+                <a:latin typeface="a펜고딕L" panose="02020600000000000000" pitchFamily="18" charset="-127"/>
+                <a:ea typeface="a펜고딕L" panose="02020600000000000000" pitchFamily="18" charset="-127"/>
+              </a:rPr>
+              <a:t>InteractiveShell</a:t>
+            </a:r>
+            <a:endParaRPr lang="en-US" altLang="ko-KR" sz="1400" dirty="0">
+              <a:latin typeface="a펜고딕L" panose="02020600000000000000" pitchFamily="18" charset="-127"/>
+              <a:ea typeface="a펜고딕L" panose="02020600000000000000" pitchFamily="18" charset="-127"/>
+            </a:endParaRPr>
+          </a:p>
+          <a:p>
+            <a:r>
+              <a:rPr lang="en-US" altLang="ko-KR" sz="1400" dirty="0" err="1">
+                <a:latin typeface="a펜고딕L" panose="02020600000000000000" pitchFamily="18" charset="-127"/>
+                <a:ea typeface="a펜고딕L" panose="02020600000000000000" pitchFamily="18" charset="-127"/>
+              </a:rPr>
+              <a:t>InteractiveShell.ast_node_interactivity</a:t>
+            </a:r>
+            <a:r>
+              <a:rPr lang="en-US" altLang="ko-KR" sz="1400" dirty="0">
+                <a:latin typeface="a펜고딕L" panose="02020600000000000000" pitchFamily="18" charset="-127"/>
+                <a:ea typeface="a펜고딕L" panose="02020600000000000000" pitchFamily="18" charset="-127"/>
+              </a:rPr>
+              <a:t> = "all"</a:t>
+            </a:r>
+          </a:p>
+        </p:txBody>
+      </p:sp>
+      <p:sp>
+        <p:nvSpPr>
+          <p:cNvPr id="3" name="TextBox 2">
+            <a:extLst>
+              <a:ext uri="{FF2B5EF4-FFF2-40B4-BE49-F238E27FC236}">
+                <a16:creationId xmlns:a16="http://schemas.microsoft.com/office/drawing/2014/main" id="{6BAB0584-149C-41A8-AC26-16587DFDAC22}"/>
+              </a:ext>
+            </a:extLst>
+          </p:cNvPr>
+          <p:cNvSpPr txBox="1"/>
+          <p:nvPr/>
+        </p:nvSpPr>
+        <p:spPr>
+          <a:xfrm>
+            <a:off x="5934635" y="3113321"/>
+            <a:ext cx="3943708" cy="1631216"/>
+          </a:xfrm>
+          <a:prstGeom prst="rect">
+            <a:avLst/>
+          </a:prstGeom>
+          <a:noFill/>
+          <a:ln>
+            <a:noFill/>
+          </a:ln>
+        </p:spPr>
+        <p:txBody>
+          <a:bodyPr wrap="none" rtlCol="0">
+            <a:spAutoFit/>
+          </a:bodyPr>
+          <a:lstStyle/>
+          <a:p>
+            <a:pPr marL="457200" indent="-457200">
+              <a:buFont typeface="+mj-lt"/>
+              <a:buAutoNum type="arabicPeriod"/>
+            </a:pPr>
+            <a:r>
+              <a:rPr lang="ko-KR" altLang="en-US" sz="2000" dirty="0"/>
+              <a:t>간단한</a:t>
+            </a:r>
+            <a:r>
+              <a:rPr lang="en-US" altLang="ko-KR" sz="2000" dirty="0"/>
+              <a:t> </a:t>
+            </a:r>
+            <a:r>
+              <a:rPr lang="ko-KR" altLang="en-US" sz="2000" dirty="0"/>
+              <a:t>그래프 </a:t>
+            </a:r>
+            <a:r>
+              <a:rPr lang="en-US" altLang="ko-KR" sz="2000" dirty="0">
+                <a:solidFill>
+                  <a:schemeClr val="accent6">
+                    <a:lumMod val="50000"/>
+                  </a:schemeClr>
+                </a:solidFill>
+              </a:rPr>
+              <a:t>Simple Graph</a:t>
+            </a:r>
+            <a:endParaRPr lang="en-US" altLang="ko-KR" sz="2000" dirty="0"/>
+          </a:p>
+          <a:p>
+            <a:pPr marL="457200" indent="-457200">
+              <a:buFont typeface="+mj-lt"/>
+              <a:buAutoNum type="arabicPeriod"/>
+            </a:pPr>
+            <a:r>
+              <a:rPr lang="ko-KR" altLang="en-US" sz="2000" dirty="0"/>
+              <a:t>막대 그래프 </a:t>
+            </a:r>
+            <a:r>
+              <a:rPr lang="en-US" altLang="ko-KR" sz="2000" dirty="0">
+                <a:solidFill>
+                  <a:schemeClr val="accent6">
+                    <a:lumMod val="50000"/>
+                  </a:schemeClr>
+                </a:solidFill>
+              </a:rPr>
+              <a:t>Bar</a:t>
+            </a:r>
+            <a:r>
+              <a:rPr lang="ko-KR" altLang="en-US" sz="2000" dirty="0">
+                <a:solidFill>
+                  <a:schemeClr val="accent6">
+                    <a:lumMod val="50000"/>
+                  </a:schemeClr>
+                </a:solidFill>
+              </a:rPr>
+              <a:t> </a:t>
+            </a:r>
+            <a:r>
+              <a:rPr lang="en-US" altLang="ko-KR" sz="2000" dirty="0">
+                <a:solidFill>
+                  <a:schemeClr val="accent6">
+                    <a:lumMod val="50000"/>
+                  </a:schemeClr>
+                </a:solidFill>
+              </a:rPr>
+              <a:t>Chart</a:t>
+            </a:r>
+            <a:endParaRPr lang="en-US" altLang="ko-KR" sz="2000" dirty="0"/>
+          </a:p>
+          <a:p>
+            <a:pPr marL="457200" indent="-457200">
+              <a:buFont typeface="+mj-lt"/>
+              <a:buAutoNum type="arabicPeriod"/>
+            </a:pPr>
+            <a:r>
+              <a:rPr lang="ko-KR" altLang="en-US" sz="2000" dirty="0"/>
+              <a:t>히스토그램  </a:t>
+            </a:r>
+            <a:r>
+              <a:rPr lang="en-US" altLang="ko-KR" sz="2000" dirty="0">
+                <a:solidFill>
+                  <a:schemeClr val="accent6">
+                    <a:lumMod val="50000"/>
+                  </a:schemeClr>
+                </a:solidFill>
+              </a:rPr>
+              <a:t>Histogram</a:t>
+            </a:r>
+            <a:endParaRPr lang="en-US" altLang="ko-KR" sz="2000" dirty="0"/>
+          </a:p>
+          <a:p>
+            <a:pPr marL="457200" indent="-457200">
+              <a:buFont typeface="+mj-lt"/>
+              <a:buAutoNum type="arabicPeriod"/>
+            </a:pPr>
+            <a:r>
+              <a:rPr lang="ko-KR" altLang="en-US" sz="2000" dirty="0"/>
+              <a:t>선 그래프 </a:t>
+            </a:r>
+            <a:r>
+              <a:rPr lang="en-US" altLang="ko-KR" sz="2000" dirty="0">
+                <a:solidFill>
+                  <a:schemeClr val="accent6">
+                    <a:lumMod val="50000"/>
+                  </a:schemeClr>
+                </a:solidFill>
+              </a:rPr>
+              <a:t>Line Chart</a:t>
+            </a:r>
+            <a:endParaRPr lang="en-US" altLang="ko-KR" sz="2000" dirty="0"/>
+          </a:p>
+          <a:p>
+            <a:pPr marL="457200" indent="-457200">
+              <a:buFont typeface="+mj-lt"/>
+              <a:buAutoNum type="arabicPeriod"/>
+            </a:pPr>
+            <a:r>
+              <a:rPr lang="ko-KR" altLang="en-US" sz="2000" dirty="0" err="1"/>
+              <a:t>산점도</a:t>
+            </a:r>
+            <a:r>
+              <a:rPr lang="ko-KR" altLang="en-US" sz="2000" dirty="0"/>
+              <a:t> </a:t>
+            </a:r>
+            <a:r>
+              <a:rPr lang="en-US" altLang="ko-KR" sz="2000" dirty="0">
+                <a:solidFill>
+                  <a:schemeClr val="accent6">
+                    <a:lumMod val="50000"/>
+                  </a:schemeClr>
+                </a:solidFill>
+              </a:rPr>
+              <a:t>Scatterplot</a:t>
+            </a:r>
+          </a:p>
+        </p:txBody>
+      </p:sp>
     </p:spTree>
     <p:custDataLst>
       <p:tags r:id="rId1"/>
@@ -5384,259 +5906,19 @@
                             </p:stCondLst>
                             <p:childTnLst>
                               <p:par>
-                                <p:cTn id="13" presetID="1" presetClass="entr" presetSubtype="0" fill="hold" grpId="0" nodeType="clickEffect">
+                                <p:cTn id="13" presetID="1" presetClass="entr" presetSubtype="0" fill="hold" grpId="0" nodeType="clickEffect" nodePh="1">
                                   <p:stCondLst>
                                     <p:cond delay="0"/>
                                   </p:stCondLst>
+                                  <p:endCondLst>
+                                    <p:cond evt="begin" delay="0">
+                                      <p:tn val="13"/>
+                                    </p:cond>
+                                  </p:endCondLst>
                                   <p:childTnLst>
                                     <p:set>
                                       <p:cBhvr>
                                         <p:cTn id="14" dur="1" fill="hold">
-                                          <p:stCondLst>
-                                            <p:cond delay="0"/>
-                                          </p:stCondLst>
-                                        </p:cTn>
-                                        <p:tgtEl>
-                                          <p:spTgt spid="3">
-                                            <p:txEl>
-                                              <p:pRg st="0" end="0"/>
-                                            </p:txEl>
-                                          </p:spTgt>
-                                        </p:tgtEl>
-                                        <p:attrNameLst>
-                                          <p:attrName>style.visibility</p:attrName>
-                                        </p:attrNameLst>
-                                      </p:cBhvr>
-                                      <p:to>
-                                        <p:strVal val="visible"/>
-                                      </p:to>
-                                    </p:set>
-                                  </p:childTnLst>
-                                </p:cTn>
-                              </p:par>
-                            </p:childTnLst>
-                          </p:cTn>
-                        </p:par>
-                      </p:childTnLst>
-                    </p:cTn>
-                  </p:par>
-                  <p:par>
-                    <p:cTn id="15" fill="hold">
-                      <p:stCondLst>
-                        <p:cond delay="indefinite"/>
-                      </p:stCondLst>
-                      <p:childTnLst>
-                        <p:par>
-                          <p:cTn id="16" fill="hold">
-                            <p:stCondLst>
-                              <p:cond delay="0"/>
-                            </p:stCondLst>
-                            <p:childTnLst>
-                              <p:par>
-                                <p:cTn id="17" presetID="1" presetClass="entr" presetSubtype="0" fill="hold" grpId="0" nodeType="clickEffect">
-                                  <p:stCondLst>
-                                    <p:cond delay="0"/>
-                                  </p:stCondLst>
-                                  <p:childTnLst>
-                                    <p:set>
-                                      <p:cBhvr>
-                                        <p:cTn id="18" dur="1" fill="hold">
-                                          <p:stCondLst>
-                                            <p:cond delay="0"/>
-                                          </p:stCondLst>
-                                        </p:cTn>
-                                        <p:tgtEl>
-                                          <p:spTgt spid="3">
-                                            <p:txEl>
-                                              <p:pRg st="1" end="1"/>
-                                            </p:txEl>
-                                          </p:spTgt>
-                                        </p:tgtEl>
-                                        <p:attrNameLst>
-                                          <p:attrName>style.visibility</p:attrName>
-                                        </p:attrNameLst>
-                                      </p:cBhvr>
-                                      <p:to>
-                                        <p:strVal val="visible"/>
-                                      </p:to>
-                                    </p:set>
-                                  </p:childTnLst>
-                                </p:cTn>
-                              </p:par>
-                            </p:childTnLst>
-                          </p:cTn>
-                        </p:par>
-                      </p:childTnLst>
-                    </p:cTn>
-                  </p:par>
-                  <p:par>
-                    <p:cTn id="19" fill="hold">
-                      <p:stCondLst>
-                        <p:cond delay="indefinite"/>
-                      </p:stCondLst>
-                      <p:childTnLst>
-                        <p:par>
-                          <p:cTn id="20" fill="hold">
-                            <p:stCondLst>
-                              <p:cond delay="0"/>
-                            </p:stCondLst>
-                            <p:childTnLst>
-                              <p:par>
-                                <p:cTn id="21" presetID="1" presetClass="entr" presetSubtype="0" fill="hold" grpId="0" nodeType="clickEffect">
-                                  <p:stCondLst>
-                                    <p:cond delay="0"/>
-                                  </p:stCondLst>
-                                  <p:childTnLst>
-                                    <p:set>
-                                      <p:cBhvr>
-                                        <p:cTn id="22" dur="1" fill="hold">
-                                          <p:stCondLst>
-                                            <p:cond delay="0"/>
-                                          </p:stCondLst>
-                                        </p:cTn>
-                                        <p:tgtEl>
-                                          <p:spTgt spid="3">
-                                            <p:txEl>
-                                              <p:pRg st="2" end="2"/>
-                                            </p:txEl>
-                                          </p:spTgt>
-                                        </p:tgtEl>
-                                        <p:attrNameLst>
-                                          <p:attrName>style.visibility</p:attrName>
-                                        </p:attrNameLst>
-                                      </p:cBhvr>
-                                      <p:to>
-                                        <p:strVal val="visible"/>
-                                      </p:to>
-                                    </p:set>
-                                  </p:childTnLst>
-                                </p:cTn>
-                              </p:par>
-                            </p:childTnLst>
-                          </p:cTn>
-                        </p:par>
-                      </p:childTnLst>
-                    </p:cTn>
-                  </p:par>
-                  <p:par>
-                    <p:cTn id="23" fill="hold">
-                      <p:stCondLst>
-                        <p:cond delay="indefinite"/>
-                      </p:stCondLst>
-                      <p:childTnLst>
-                        <p:par>
-                          <p:cTn id="24" fill="hold">
-                            <p:stCondLst>
-                              <p:cond delay="0"/>
-                            </p:stCondLst>
-                            <p:childTnLst>
-                              <p:par>
-                                <p:cTn id="25" presetID="1" presetClass="entr" presetSubtype="0" fill="hold" grpId="0" nodeType="clickEffect">
-                                  <p:stCondLst>
-                                    <p:cond delay="0"/>
-                                  </p:stCondLst>
-                                  <p:childTnLst>
-                                    <p:set>
-                                      <p:cBhvr>
-                                        <p:cTn id="26" dur="1" fill="hold">
-                                          <p:stCondLst>
-                                            <p:cond delay="0"/>
-                                          </p:stCondLst>
-                                        </p:cTn>
-                                        <p:tgtEl>
-                                          <p:spTgt spid="3">
-                                            <p:txEl>
-                                              <p:pRg st="3" end="3"/>
-                                            </p:txEl>
-                                          </p:spTgt>
-                                        </p:tgtEl>
-                                        <p:attrNameLst>
-                                          <p:attrName>style.visibility</p:attrName>
-                                        </p:attrNameLst>
-                                      </p:cBhvr>
-                                      <p:to>
-                                        <p:strVal val="visible"/>
-                                      </p:to>
-                                    </p:set>
-                                  </p:childTnLst>
-                                </p:cTn>
-                              </p:par>
-                            </p:childTnLst>
-                          </p:cTn>
-                        </p:par>
-                      </p:childTnLst>
-                    </p:cTn>
-                  </p:par>
-                  <p:par>
-                    <p:cTn id="27" fill="hold">
-                      <p:stCondLst>
-                        <p:cond delay="indefinite"/>
-                      </p:stCondLst>
-                      <p:childTnLst>
-                        <p:par>
-                          <p:cTn id="28" fill="hold">
-                            <p:stCondLst>
-                              <p:cond delay="0"/>
-                            </p:stCondLst>
-                            <p:childTnLst>
-                              <p:par>
-                                <p:cTn id="29" presetID="1" presetClass="entr" presetSubtype="0" fill="hold" grpId="0" nodeType="clickEffect">
-                                  <p:stCondLst>
-                                    <p:cond delay="0"/>
-                                  </p:stCondLst>
-                                  <p:childTnLst>
-                                    <p:set>
-                                      <p:cBhvr>
-                                        <p:cTn id="30" dur="1" fill="hold">
-                                          <p:stCondLst>
-                                            <p:cond delay="0"/>
-                                          </p:stCondLst>
-                                        </p:cTn>
-                                        <p:tgtEl>
-                                          <p:spTgt spid="3">
-                                            <p:txEl>
-                                              <p:pRg st="4" end="4"/>
-                                            </p:txEl>
-                                          </p:spTgt>
-                                        </p:tgtEl>
-                                        <p:attrNameLst>
-                                          <p:attrName>style.visibility</p:attrName>
-                                        </p:attrNameLst>
-                                      </p:cBhvr>
-                                      <p:to>
-                                        <p:strVal val="visible"/>
-                                      </p:to>
-                                    </p:set>
-                                  </p:childTnLst>
-                                </p:cTn>
-                              </p:par>
-                            </p:childTnLst>
-                          </p:cTn>
-                        </p:par>
-                      </p:childTnLst>
-                    </p:cTn>
-                  </p:par>
-                  <p:par>
-                    <p:cTn id="31" fill="hold">
-                      <p:stCondLst>
-                        <p:cond delay="indefinite"/>
-                      </p:stCondLst>
-                      <p:childTnLst>
-                        <p:par>
-                          <p:cTn id="32" fill="hold">
-                            <p:stCondLst>
-                              <p:cond delay="0"/>
-                            </p:stCondLst>
-                            <p:childTnLst>
-                              <p:par>
-                                <p:cTn id="33" presetID="1" presetClass="entr" presetSubtype="0" fill="hold" grpId="0" nodeType="clickEffect">
-                                  <p:stCondLst>
-                                    <p:cond delay="0"/>
-                                  </p:stCondLst>
-                                  <p:childTnLst>
-                                    <p:set>
-                                      <p:cBhvr>
-                                        <p:cTn id="34" dur="1" fill="hold">
                                           <p:stCondLst>
                                             <p:cond delay="0"/>
                                           </p:stCondLst>
@@ -5680,7 +5962,7 @@
             </p:seq>
             <p:audio isNarration="1">
               <p:cMediaNode vol="80000" showWhenStopped="0">
-                <p:cTn id="35" fill="hold" display="0">
+                <p:cTn id="15" fill="hold" display="0">
                   <p:stCondLst>
                     <p:cond delay="indefinite"/>
                   </p:stCondLst>
@@ -5703,7 +5985,6 @@
     </p:tnLst>
     <p:bldLst>
       <p:bldP spid="2" grpId="0"/>
-      <p:bldP spid="3" grpId="0" uiExpand="1" build="p"/>
       <p:bldP spid="6" grpId="0"/>
     </p:bldLst>
   </p:timing>
